--- a/Curso de Higiene e Seguran�a Alimentar - Distribui��o.pptx
+++ b/Curso de Higiene e Seguran�a Alimentar - Distribui��o.pptx
@@ -83,6 +83,9 @@
   </p:sldIdLst>
   <p:sldSz cx="9144000" cy="6858000" type="screen4x3"/>
   <p:notesSz cx="6858000" cy="9144000"/>
+  <p:custDataLst>
+    <p:tags r:id="rId75"/>
+  </p:custDataLst>
   <p:defaultTextStyle>
     <a:defPPr>
       <a:defRPr lang="pt-PT"/>
@@ -264,7 +267,7 @@
             <a:fld id="{A1CEA085-8B38-495B-AA35-3FD6842C2371}" type="datetimeFigureOut">
               <a:rPr lang="pt-PT" smtClean="0"/>
               <a:pPr/>
-              <a:t>21-11-2008</a:t>
+              <a:t>07-06-2009</a:t>
             </a:fld>
             <a:endParaRPr lang="pt-PT"/>
           </a:p>
@@ -1063,7 +1066,7 @@
               </a:pathLst>
             </a:custGeom>
             <a:blipFill>
-              <a:blip r:embed="rId2">
+              <a:blip r:embed="rId2" cstate="print">
                 <a:alphaModFix amt="50000"/>
               </a:blip>
               <a:tile tx="0" ty="0" sx="50000" sy="50000" flip="none" algn="t"/>
@@ -1238,7 +1241,7 @@
             <a:fld id="{28CF9C68-DB33-47B6-96F0-C2CBED4A0FBD}" type="datetimeFigureOut">
               <a:rPr lang="pt-PT" smtClean="0"/>
               <a:pPr/>
-              <a:t>21-11-2008</a:t>
+              <a:t>07-06-2009</a:t>
             </a:fld>
             <a:endParaRPr lang="pt-PT"/>
           </a:p>
@@ -1436,7 +1439,7 @@
             <a:fld id="{28CF9C68-DB33-47B6-96F0-C2CBED4A0FBD}" type="datetimeFigureOut">
               <a:rPr lang="pt-PT" smtClean="0"/>
               <a:pPr/>
-              <a:t>21-11-2008</a:t>
+              <a:t>07-06-2009</a:t>
             </a:fld>
             <a:endParaRPr lang="pt-PT"/>
           </a:p>
@@ -1623,7 +1626,7 @@
             <a:fld id="{28CF9C68-DB33-47B6-96F0-C2CBED4A0FBD}" type="datetimeFigureOut">
               <a:rPr lang="pt-PT" smtClean="0"/>
               <a:pPr/>
-              <a:t>21-11-2008</a:t>
+              <a:t>07-06-2009</a:t>
             </a:fld>
             <a:endParaRPr lang="pt-PT"/>
           </a:p>
@@ -1775,7 +1778,7 @@
             <a:fld id="{28CF9C68-DB33-47B6-96F0-C2CBED4A0FBD}" type="datetimeFigureOut">
               <a:rPr lang="pt-PT" smtClean="0"/>
               <a:pPr/>
-              <a:t>21-11-2008</a:t>
+              <a:t>07-06-2009</a:t>
             </a:fld>
             <a:endParaRPr lang="pt-PT"/>
           </a:p>
@@ -2032,7 +2035,7 @@
             <a:fld id="{28CF9C68-DB33-47B6-96F0-C2CBED4A0FBD}" type="datetimeFigureOut">
               <a:rPr lang="pt-PT" smtClean="0"/>
               <a:pPr/>
-              <a:t>21-11-2008</a:t>
+              <a:t>07-06-2009</a:t>
             </a:fld>
             <a:endParaRPr lang="pt-PT"/>
           </a:p>
@@ -2443,7 +2446,7 @@
             <a:fld id="{28CF9C68-DB33-47B6-96F0-C2CBED4A0FBD}" type="datetimeFigureOut">
               <a:rPr lang="pt-PT" smtClean="0"/>
               <a:pPr/>
-              <a:t>21-11-2008</a:t>
+              <a:t>07-06-2009</a:t>
             </a:fld>
             <a:endParaRPr lang="pt-PT"/>
           </a:p>
@@ -2891,7 +2894,7 @@
             <a:fld id="{28CF9C68-DB33-47B6-96F0-C2CBED4A0FBD}" type="datetimeFigureOut">
               <a:rPr lang="pt-PT" smtClean="0"/>
               <a:pPr/>
-              <a:t>21-11-2008</a:t>
+              <a:t>07-06-2009</a:t>
             </a:fld>
             <a:endParaRPr lang="pt-PT"/>
           </a:p>
@@ -2994,7 +2997,7 @@
             <a:fld id="{28CF9C68-DB33-47B6-96F0-C2CBED4A0FBD}" type="datetimeFigureOut">
               <a:rPr lang="pt-PT" smtClean="0"/>
               <a:pPr/>
-              <a:t>21-11-2008</a:t>
+              <a:t>07-06-2009</a:t>
             </a:fld>
             <a:endParaRPr lang="pt-PT"/>
           </a:p>
@@ -3117,7 +3120,7 @@
             <a:fld id="{28CF9C68-DB33-47B6-96F0-C2CBED4A0FBD}" type="datetimeFigureOut">
               <a:rPr lang="pt-PT" smtClean="0"/>
               <a:pPr/>
-              <a:t>21-11-2008</a:t>
+              <a:t>07-06-2009</a:t>
             </a:fld>
             <a:endParaRPr lang="pt-PT"/>
           </a:p>
@@ -3393,7 +3396,7 @@
             <a:fld id="{28CF9C68-DB33-47B6-96F0-C2CBED4A0FBD}" type="datetimeFigureOut">
               <a:rPr lang="pt-PT" smtClean="0"/>
               <a:pPr/>
-              <a:t>21-11-2008</a:t>
+              <a:t>07-06-2009</a:t>
             </a:fld>
             <a:endParaRPr lang="pt-PT"/>
           </a:p>
@@ -3600,7 +3603,7 @@
             <a:fld id="{28CF9C68-DB33-47B6-96F0-C2CBED4A0FBD}" type="datetimeFigureOut">
               <a:rPr lang="pt-PT" smtClean="0"/>
               <a:pPr/>
-              <a:t>21-11-2008</a:t>
+              <a:t>07-06-2009</a:t>
             </a:fld>
             <a:endParaRPr lang="pt-PT"/>
           </a:p>
@@ -3903,7 +3906,7 @@
             <a:avLst/>
           </a:prstGeom>
           <a:blipFill>
-            <a:blip r:embed="rId2">
+            <a:blip r:embed="rId2" cstate="print">
               <a:alphaModFix amt="50000"/>
             </a:blip>
             <a:tile tx="0" ty="0" sx="50000" sy="50000" flip="none" algn="t"/>
@@ -4423,7 +4426,7 @@
             <a:avLst/>
           </a:prstGeom>
           <a:blipFill>
-            <a:blip r:embed="rId13">
+            <a:blip r:embed="rId13" cstate="print">
               <a:alphaModFix amt="50000"/>
             </a:blip>
             <a:tile tx="0" ty="0" sx="50000" sy="50000" flip="none" algn="t"/>
@@ -4711,7 +4714,7 @@
             <a:fld id="{28CF9C68-DB33-47B6-96F0-C2CBED4A0FBD}" type="datetimeFigureOut">
               <a:rPr lang="pt-PT" smtClean="0"/>
               <a:pPr/>
-              <a:t>21-11-2008</a:t>
+              <a:t>07-06-2009</a:t>
             </a:fld>
             <a:endParaRPr lang="pt-PT"/>
           </a:p>
@@ -5139,10 +5142,6 @@
           <a:bodyPr/>
           <a:lstStyle/>
           <a:p>
-            <a:r>
-              <a:rPr lang="pt-PT" dirty="0" smtClean="0"/>
-              <a:t>Curso de Higiene e Segurança Alimentar</a:t>
-            </a:r>
             <a:endParaRPr lang="pt-PT" dirty="0"/>
           </a:p>
         </p:txBody>
@@ -5184,7 +5183,7 @@
           <p:nvPr/>
         </p:nvPicPr>
         <p:blipFill>
-          <a:blip r:embed="rId2"/>
+          <a:blip r:embed="rId2" cstate="print"/>
           <a:stretch>
             <a:fillRect/>
           </a:stretch>
@@ -5885,7 +5884,7 @@
           <p:nvPr/>
         </p:nvPicPr>
         <p:blipFill>
-          <a:blip r:embed="rId2"/>
+          <a:blip r:embed="rId2" cstate="print"/>
           <a:srcRect/>
           <a:stretch>
             <a:fillRect/>
@@ -6301,7 +6300,7 @@
           <p:nvPr/>
         </p:nvPicPr>
         <p:blipFill>
-          <a:blip r:embed="rId2"/>
+          <a:blip r:embed="rId2" cstate="print"/>
           <a:srcRect l="17271" t="6667" r="15041"/>
           <a:stretch>
             <a:fillRect/>
@@ -6748,7 +6747,7 @@
           <p:nvPr/>
         </p:nvPicPr>
         <p:blipFill>
-          <a:blip r:embed="rId2"/>
+          <a:blip r:embed="rId2" cstate="print"/>
           <a:srcRect l="21663" t="3394" r="9400"/>
           <a:stretch>
             <a:fillRect/>
@@ -6781,7 +6780,7 @@
           <p:nvPr/>
         </p:nvPicPr>
         <p:blipFill>
-          <a:blip r:embed="rId3"/>
+          <a:blip r:embed="rId3" cstate="print"/>
           <a:srcRect/>
           <a:stretch>
             <a:fillRect/>
@@ -7472,7 +7471,7 @@
           <p:nvPr/>
         </p:nvPicPr>
         <p:blipFill>
-          <a:blip r:embed="rId2"/>
+          <a:blip r:embed="rId2" cstate="print"/>
           <a:srcRect/>
           <a:stretch>
             <a:fillRect/>
@@ -7505,7 +7504,7 @@
           <p:nvPr/>
         </p:nvPicPr>
         <p:blipFill>
-          <a:blip r:embed="rId3"/>
+          <a:blip r:embed="rId3" cstate="print"/>
           <a:srcRect/>
           <a:stretch>
             <a:fillRect/>
@@ -7538,7 +7537,7 @@
           <p:nvPr/>
         </p:nvPicPr>
         <p:blipFill>
-          <a:blip r:embed="rId4"/>
+          <a:blip r:embed="rId4" cstate="print"/>
           <a:srcRect/>
           <a:stretch>
             <a:fillRect/>
@@ -7981,7 +7980,7 @@
           <p:nvPr/>
         </p:nvPicPr>
         <p:blipFill>
-          <a:blip r:embed="rId2"/>
+          <a:blip r:embed="rId2" cstate="print"/>
           <a:srcRect/>
           <a:stretch>
             <a:fillRect/>
@@ -8014,7 +8013,7 @@
           <p:nvPr/>
         </p:nvPicPr>
         <p:blipFill>
-          <a:blip r:embed="rId3"/>
+          <a:blip r:embed="rId3" cstate="print"/>
           <a:srcRect/>
           <a:stretch>
             <a:fillRect/>
@@ -9770,13 +9769,8 @@
             <a:pPr lvl="1"/>
             <a:r>
               <a:rPr lang="pt-PT" dirty="0" smtClean="0"/>
-              <a:t>Flora própria dos alimentos (EXEMPLO: </a:t>
-            </a:r>
-            <a:r>
-              <a:rPr lang="pt-PT" dirty="0" smtClean="0"/>
-              <a:t>Fermentação do vinho)</a:t>
-            </a:r>
-            <a:endParaRPr lang="pt-PT" dirty="0" smtClean="0"/>
+              <a:t>Flora própria dos alimentos (EXEMPLO: Fermentação do vinho)</a:t>
+            </a:r>
           </a:p>
           <a:p>
             <a:pPr lvl="1"/>
@@ -10834,7 +10828,7 @@
           <p:nvPr/>
         </p:nvPicPr>
         <p:blipFill>
-          <a:blip r:embed="rId2"/>
+          <a:blip r:embed="rId2" cstate="print"/>
           <a:srcRect/>
           <a:stretch>
             <a:fillRect/>
@@ -10921,24 +10915,15 @@
             <a:pPr lvl="1"/>
             <a:r>
               <a:rPr lang="pt-PT" dirty="0" smtClean="0"/>
-              <a:t>Refrigeração </a:t>
-            </a:r>
-            <a:r>
-              <a:rPr lang="pt-PT" dirty="0" smtClean="0"/>
-              <a:t>entre 0 e 5ºC</a:t>
+              <a:t>Refrigeração entre 0 e 5ºC</a:t>
             </a:r>
           </a:p>
           <a:p>
             <a:pPr lvl="1"/>
             <a:r>
               <a:rPr lang="pt-PT" dirty="0" smtClean="0"/>
-              <a:t>Recepção tolerância de </a:t>
-            </a:r>
-            <a:r>
-              <a:rPr lang="pt-PT" dirty="0" smtClean="0"/>
-              <a:t>2ºC</a:t>
-            </a:r>
-            <a:endParaRPr lang="pt-PT" dirty="0" smtClean="0"/>
+              <a:t>Recepção tolerância de 2ºC</a:t>
+            </a:r>
           </a:p>
         </p:txBody>
       </p:sp>
@@ -11046,11 +11031,7 @@
             </a:pPr>
             <a:r>
               <a:rPr lang="pt-PT" dirty="0" smtClean="0"/>
-              <a:t>Embalagem</a:t>
-            </a:r>
-            <a:r>
-              <a:rPr lang="pt-PT" dirty="0" smtClean="0"/>
-              <a:t>;</a:t>
+              <a:t>Embalagem;</a:t>
             </a:r>
           </a:p>
           <a:p>
@@ -11064,11 +11045,7 @@
             </a:pPr>
             <a:r>
               <a:rPr lang="pt-PT" dirty="0" smtClean="0"/>
-              <a:t>Inspecção </a:t>
-            </a:r>
-            <a:r>
-              <a:rPr lang="pt-PT" dirty="0" smtClean="0"/>
-              <a:t>visual;</a:t>
+              <a:t>Inspecção visual;</a:t>
             </a:r>
           </a:p>
           <a:p>
@@ -11096,11 +11073,7 @@
             </a:pPr>
             <a:r>
               <a:rPr lang="pt-PT" dirty="0" smtClean="0"/>
-              <a:t>Cuidados </a:t>
-            </a:r>
-            <a:r>
-              <a:rPr lang="pt-PT" dirty="0" smtClean="0"/>
-              <a:t>de higiene – Lavagem dos alimentos e mãos dos operadores</a:t>
+              <a:t>Cuidados de higiene – Lavagem dos alimentos e mãos dos operadores</a:t>
             </a:r>
           </a:p>
           <a:p>
@@ -11114,11 +11087,7 @@
             </a:pPr>
             <a:r>
               <a:rPr lang="pt-PT" dirty="0" smtClean="0"/>
-              <a:t>Prevenção </a:t>
-            </a:r>
-            <a:r>
-              <a:rPr lang="pt-PT" dirty="0" smtClean="0"/>
-              <a:t>de contaminação cruzada</a:t>
+              <a:t>Prevenção de contaminação cruzada</a:t>
             </a:r>
           </a:p>
           <a:p>
@@ -11132,13 +11101,8 @@
             </a:pPr>
             <a:r>
               <a:rPr lang="pt-PT" dirty="0" smtClean="0"/>
-              <a:t>Prevenção </a:t>
-            </a:r>
-            <a:r>
-              <a:rPr lang="pt-PT" dirty="0" smtClean="0"/>
-              <a:t>de pragas</a:t>
-            </a:r>
-            <a:endParaRPr lang="pt-PT" dirty="0" smtClean="0"/>
+              <a:t>Prevenção de pragas</a:t>
+            </a:r>
           </a:p>
           <a:p>
             <a:pPr lvl="1">
@@ -12240,7 +12204,6 @@
               <a:rPr lang="pt-PT" dirty="0" smtClean="0"/>
               <a:t>Armadilhas</a:t>
             </a:r>
-            <a:endParaRPr lang="pt-PT" dirty="0" smtClean="0"/>
           </a:p>
           <a:p>
             <a:pPr lvl="4"/>
@@ -12312,7 +12275,7 @@
           <p:nvPr/>
         </p:nvPicPr>
         <p:blipFill>
-          <a:blip r:embed="rId2"/>
+          <a:blip r:embed="rId2" cstate="print"/>
           <a:srcRect/>
           <a:stretch>
             <a:fillRect/>
@@ -16915,11 +16878,7 @@
           <a:p>
             <a:r>
               <a:rPr lang="pt-PT" dirty="0" smtClean="0"/>
-              <a:t>Utilizar </a:t>
-            </a:r>
-            <a:r>
-              <a:rPr lang="pt-PT" dirty="0" smtClean="0"/>
-              <a:t>equipamentos de protecção como luvas, boquilha, </a:t>
+              <a:t>Utilizar equipamentos de protecção como luvas, boquilha, </a:t>
             </a:r>
             <a:r>
               <a:rPr lang="pt-PT" dirty="0" err="1" smtClean="0"/>
@@ -20346,11 +20305,7 @@
           <a:p>
             <a:r>
               <a:rPr lang="pt-PT" dirty="0" smtClean="0"/>
-              <a:t>Material </a:t>
-            </a:r>
-            <a:r>
-              <a:rPr lang="pt-PT" dirty="0" smtClean="0"/>
-              <a:t>resistente a lavagens frequentes</a:t>
+              <a:t>Material resistente a lavagens frequentes</a:t>
             </a:r>
           </a:p>
           <a:p>
@@ -20362,15 +20317,7 @@
           <a:p>
             <a:r>
               <a:rPr lang="pt-PT" dirty="0" smtClean="0"/>
-              <a:t>Começar a vestir de cima para baixo </a:t>
-            </a:r>
-            <a:r>
-              <a:rPr lang="pt-PT" dirty="0" smtClean="0"/>
-              <a:t>(boné até calçado) </a:t>
-            </a:r>
-            <a:r>
-              <a:rPr lang="pt-PT" dirty="0" smtClean="0"/>
-              <a:t>seguido de lavagem das mãos)</a:t>
+              <a:t>Começar a vestir de cima para baixo (boné até calçado) seguido de lavagem das mãos)</a:t>
             </a:r>
           </a:p>
           <a:p>
@@ -20382,13 +20329,8 @@
           <a:p>
             <a:r>
               <a:rPr lang="pt-PT" dirty="0" smtClean="0"/>
-              <a:t>Vestir e compor o vestuário apenas na zona destinada para esse </a:t>
-            </a:r>
-            <a:r>
-              <a:rPr lang="pt-PT" dirty="0" smtClean="0"/>
-              <a:t>efeito</a:t>
-            </a:r>
-            <a:endParaRPr lang="pt-PT" dirty="0" smtClean="0"/>
+              <a:t>Vestir e compor o vestuário apenas na zona destinada para esse efeito</a:t>
+            </a:r>
           </a:p>
           <a:p>
             <a:pPr>
@@ -21183,11 +21125,7 @@
             <a:pPr lvl="1"/>
             <a:r>
               <a:rPr lang="pt-PT" dirty="0" smtClean="0"/>
-              <a:t>Boné </a:t>
-            </a:r>
-            <a:r>
-              <a:rPr lang="pt-PT" dirty="0" smtClean="0"/>
-              <a:t>(zonas de distribuição ou outras em que a actividade não ponha em causa a salubridade do produto)</a:t>
+              <a:t>Boné (zonas de distribuição ou outras em que a actividade não ponha em causa a salubridade do produto)</a:t>
             </a:r>
           </a:p>
           <a:p>
@@ -26903,7 +26841,7 @@
           </p:nvPr>
         </p:nvPicPr>
         <p:blipFill>
-          <a:blip r:embed="rId3"/>
+          <a:blip r:embed="rId3" cstate="print"/>
           <a:stretch>
             <a:fillRect/>
           </a:stretch>
@@ -28816,13 +28754,8 @@
             </a:pPr>
             <a:r>
               <a:rPr lang="pt-PT" dirty="0" smtClean="0"/>
-              <a:t>Utilização de sabonetes de fraca qualidade sem características </a:t>
-            </a:r>
-            <a:r>
-              <a:rPr lang="pt-PT" dirty="0" smtClean="0"/>
-              <a:t>hidratantes</a:t>
-            </a:r>
-            <a:endParaRPr lang="pt-PT" dirty="0" smtClean="0"/>
+              <a:t>Utilização de sabonetes de fraca qualidade sem características hidratantes</a:t>
+            </a:r>
           </a:p>
         </p:txBody>
       </p:sp>
@@ -31047,13 +30980,8 @@
             </a:pPr>
             <a:r>
               <a:rPr lang="pt-PT" dirty="0" smtClean="0"/>
-              <a:t>Nunca armazenar alimentos para consumo próprio em conjunto com os restantes destinados à </a:t>
-            </a:r>
-            <a:r>
-              <a:rPr lang="pt-PT" dirty="0" smtClean="0"/>
-              <a:t>distribuição</a:t>
-            </a:r>
-            <a:endParaRPr lang="pt-PT" dirty="0" smtClean="0"/>
+              <a:t>Nunca armazenar alimentos para consumo próprio em conjunto com os restantes destinados à distribuição</a:t>
+            </a:r>
           </a:p>
           <a:p>
             <a:pPr lvl="2">
@@ -32341,13 +32269,8 @@
             </a:pPr>
             <a:r>
               <a:rPr lang="pt-PT" dirty="0" smtClean="0"/>
-              <a:t>Estado de manutenção do </a:t>
-            </a:r>
-            <a:r>
-              <a:rPr lang="pt-PT" dirty="0" smtClean="0"/>
-              <a:t>veículo…</a:t>
-            </a:r>
-            <a:endParaRPr lang="pt-PT" dirty="0" smtClean="0"/>
+              <a:t>Estado de manutenção do veículo…</a:t>
+            </a:r>
           </a:p>
           <a:p>
             <a:pPr lvl="2">
@@ -34588,6 +34511,14 @@
     </p:bldLst>
   </p:timing>
 </p:sld>
+</file>
+
+<file path=ppt/tags/tag1.xml><?xml version="1.0" encoding="utf-8"?>
+<p:tagLst xmlns:a="http://schemas.openxmlformats.org/drawingml/2006/main" xmlns:r="http://schemas.openxmlformats.org/officeDocument/2006/relationships" xmlns:p="http://schemas.openxmlformats.org/presentationml/2006/main">
+  <p:tag name="MMPROD_NEXTUNIQUEID" val="10009"/>
+  <p:tag name="MMPROD_UIDATA" val="&lt;database version=&quot;7.0&quot;&gt;&lt;object type=&quot;1&quot; unique_id=&quot;10001&quot;&gt;&lt;object type=&quot;8&quot; unique_id=&quot;10002&quot;&gt;&lt;/object&gt;&lt;object type=&quot;2&quot; unique_id=&quot;10003&quot;&gt;&lt;object type=&quot;3&quot; unique_id=&quot;10004&quot;&gt;&lt;property id=&quot;20148&quot; value=&quot;5&quot;/&gt;&lt;property id=&quot;20300&quot; value=&quot;Slide 1&quot;/&gt;&lt;property id=&quot;20307&quot; value=&quot;256&quot;/&gt;&lt;/object&gt;&lt;object type=&quot;3&quot; unique_id=&quot;10005&quot;&gt;&lt;property id=&quot;20148&quot; value=&quot;5&quot;/&gt;&lt;property id=&quot;20300&quot; value=&quot;Slide 2 - &amp;quot;Módulo I&amp;quot;&quot;/&gt;&lt;property id=&quot;20307&quot; value=&quot;257&quot;/&gt;&lt;/object&gt;&lt;object type=&quot;3&quot; unique_id=&quot;10006&quot;&gt;&lt;property id=&quot;20148&quot; value=&quot;5&quot;/&gt;&lt;property id=&quot;20300&quot; value=&quot;Slide 3 - &amp;quot;Introdução à Higiene Alimentar&amp;quot;&quot;/&gt;&lt;property id=&quot;20307&quot; value=&quot;258&quot;/&gt;&lt;/object&gt;&lt;object type=&quot;3&quot; unique_id=&quot;10007&quot;&gt;&lt;property id=&quot;20148&quot; value=&quot;5&quot;/&gt;&lt;property id=&quot;20300&quot; value=&quot;Slide 4 - &amp;quot;Introdução à Higiene Alimentar&amp;quot;&quot;/&gt;&lt;property id=&quot;20307&quot; value=&quot;298&quot;/&gt;&lt;/object&gt;&lt;object type=&quot;3&quot; unique_id=&quot;10008&quot;&gt;&lt;property id=&quot;20148&quot; value=&quot;5&quot;/&gt;&lt;property id=&quot;20300&quot; value=&quot;Slide 5 - &amp;quot;Definições&amp;quot;&quot;/&gt;&lt;property id=&quot;20307&quot; value=&quot;260&quot;/&gt;&lt;/object&gt;&lt;object type=&quot;3&quot; unique_id=&quot;10009&quot;&gt;&lt;property id=&quot;20148&quot; value=&quot;5&quot;/&gt;&lt;property id=&quot;20300&quot; value=&quot;Slide 6 - &amp;quot;Definições&amp;quot;&quot;/&gt;&lt;property id=&quot;20307&quot; value=&quot;299&quot;/&gt;&lt;/object&gt;&lt;object type=&quot;3&quot; unique_id=&quot;10010&quot;&gt;&lt;property id=&quot;20148&quot; value=&quot;5&quot;/&gt;&lt;property id=&quot;20300&quot; value=&quot;Slide 7 - &amp;quot;Definições&amp;quot;&quot;/&gt;&lt;property id=&quot;20307&quot; value=&quot;296&quot;/&gt;&lt;/object&gt;&lt;object type=&quot;3&quot; unique_id=&quot;10011&quot;&gt;&lt;property id=&quot;20148&quot; value=&quot;5&quot;/&gt;&lt;property id=&quot;20300&quot; value=&quot;Slide 8 - &amp;quot;Definições&amp;quot;&quot;/&gt;&lt;property id=&quot;20307&quot; value=&quot;300&quot;/&gt;&lt;/object&gt;&lt;object type=&quot;3&quot; unique_id=&quot;10012&quot;&gt;&lt;property id=&quot;20148&quot; value=&quot;5&quot;/&gt;&lt;property id=&quot;20300&quot; value=&quot;Slide 9 - &amp;quot;Autocontrolo e HACCP&amp;quot;&quot;/&gt;&lt;property id=&quot;20307&quot; value=&quot;288&quot;/&gt;&lt;/object&gt;&lt;object type=&quot;3&quot; unique_id=&quot;10013&quot;&gt;&lt;property id=&quot;20148&quot; value=&quot;5&quot;/&gt;&lt;property id=&quot;20300&quot; value=&quot;Slide 10 - &amp;quot;Autocontrolo e HACCP&amp;quot;&quot;/&gt;&lt;property id=&quot;20307&quot; value=&quot;301&quot;/&gt;&lt;/object&gt;&lt;object type=&quot;3&quot; unique_id=&quot;10014&quot;&gt;&lt;property id=&quot;20148&quot; value=&quot;5&quot;/&gt;&lt;property id=&quot;20300&quot; value=&quot;Slide 11 - &amp;quot;Módulo II&amp;quot;&quot;/&gt;&lt;property id=&quot;20307&quot; value=&quot;259&quot;/&gt;&lt;/object&gt;&lt;object type=&quot;3&quot; unique_id=&quot;10015&quot;&gt;&lt;property id=&quot;20148&quot; value=&quot;5&quot;/&gt;&lt;property id=&quot;20300&quot; value=&quot;Slide 12 - &amp;quot;Principais grupos de microrganismos com relevância em HSA&amp;quot;&quot;/&gt;&lt;property id=&quot;20307&quot; value=&quot;261&quot;/&gt;&lt;/object&gt;&lt;object type=&quot;3&quot; unique_id=&quot;10016&quot;&gt;&lt;property id=&quot;20148&quot; value=&quot;5&quot;/&gt;&lt;property id=&quot;20300&quot; value=&quot;Slide 13 - &amp;quot;Bolores&amp;quot;&quot;/&gt;&lt;property id=&quot;20307&quot; value=&quot;291&quot;/&gt;&lt;/object&gt;&lt;object type=&quot;3&quot; unique_id=&quot;10017&quot;&gt;&lt;property id=&quot;20148&quot; value=&quot;5&quot;/&gt;&lt;property id=&quot;20300&quot; value=&quot;Slide 14 - &amp;quot;Bolores&amp;quot;&quot;/&gt;&lt;property id=&quot;20307&quot; value=&quot;302&quot;/&gt;&lt;/object&gt;&lt;object type=&quot;3&quot; unique_id=&quot;10018&quot;&gt;&lt;property id=&quot;20148&quot; value=&quot;5&quot;/&gt;&lt;property id=&quot;20300&quot; value=&quot;Slide 15 - &amp;quot;Leveduras&amp;quot;&quot;/&gt;&lt;property id=&quot;20307&quot; value=&quot;292&quot;/&gt;&lt;/object&gt;&lt;object type=&quot;3&quot; unique_id=&quot;10019&quot;&gt;&lt;property id=&quot;20148&quot; value=&quot;5&quot;/&gt;&lt;property id=&quot;20300&quot; value=&quot;Slide 16 - &amp;quot;Leveduras&amp;quot;&quot;/&gt;&lt;property id=&quot;20307&quot; value=&quot;303&quot;/&gt;&lt;/object&gt;&lt;object type=&quot;3&quot; unique_id=&quot;10020&quot;&gt;&lt;property id=&quot;20148&quot; value=&quot;5&quot;/&gt;&lt;property id=&quot;20300&quot; value=&quot;Slide 17 - &amp;quot;Bactérias&amp;quot;&quot;/&gt;&lt;property id=&quot;20307&quot; value=&quot;293&quot;/&gt;&lt;/object&gt;&lt;object type=&quot;3&quot; unique_id=&quot;10021&quot;&gt;&lt;property id=&quot;20148&quot; value=&quot;5&quot;/&gt;&lt;property id=&quot;20300&quot; value=&quot;Slide 18 - &amp;quot;Bactérias&amp;quot;&quot;/&gt;&lt;property id=&quot;20307&quot; value=&quot;304&quot;/&gt;&lt;/object&gt;&lt;object type=&quot;3&quot; unique_id=&quot;10022&quot;&gt;&lt;property id=&quot;20148&quot; value=&quot;5&quot;/&gt;&lt;property id=&quot;20300&quot; value=&quot;Slide 19 - &amp;quot;Bactérias&amp;quot;&quot;/&gt;&lt;property id=&quot;20307&quot; value=&quot;294&quot;/&gt;&lt;/object&gt;&lt;object type=&quot;3&quot; unique_id=&quot;10023&quot;&gt;&lt;property id=&quot;20148&quot; value=&quot;5&quot;/&gt;&lt;property id=&quot;20300&quot; value=&quot;Slide 20 - &amp;quot;Factores de desenvolvimento de microrganismos&amp;quot;&quot;/&gt;&lt;property id=&quot;20307&quot; value=&quot;263&quot;/&gt;&lt;/object&gt;&lt;object type=&quot;3&quot; unique_id=&quot;10024&quot;&gt;&lt;property id=&quot;20148&quot; value=&quot;5&quot;/&gt;&lt;property id=&quot;20300&quot; value=&quot;Slide 21 - &amp;quot;II – Origem dos microrganismos&amp;quot;&quot;/&gt;&lt;property id=&quot;20307&quot; value=&quot;267&quot;/&gt;&lt;/object&gt;&lt;object type=&quot;3&quot; unique_id=&quot;10025&quot;&gt;&lt;property id=&quot;20148&quot; value=&quot;5&quot;/&gt;&lt;property id=&quot;20300&quot; value=&quot;Slide 22 - &amp;quot;II – Origem dos microrganismos&amp;quot;&quot;/&gt;&lt;property id=&quot;20307&quot; value=&quot;268&quot;/&gt;&lt;/object&gt;&lt;object type=&quot;3&quot; unique_id=&quot;10026&quot;&gt;&lt;property id=&quot;20148&quot; value=&quot;5&quot;/&gt;&lt;property id=&quot;20300&quot; value=&quot;Slide 23 - &amp;quot;II – Origem dos microrganismos&amp;quot;&quot;/&gt;&lt;property id=&quot;20307&quot; value=&quot;269&quot;/&gt;&lt;/object&gt;&lt;object type=&quot;3&quot; unique_id=&quot;10027&quot;&gt;&lt;property id=&quot;20148&quot; value=&quot;5&quot;/&gt;&lt;property id=&quot;20300&quot; value=&quot;Slide 24 - &amp;quot;Prevenção contra microrganismos causadores de toxinfecções&amp;quot;&quot;/&gt;&lt;property id=&quot;20307&quot; value=&quot;295&quot;/&gt;&lt;/object&gt;&lt;object type=&quot;3&quot; unique_id=&quot;10028&quot;&gt;&lt;property id=&quot;20148&quot; value=&quot;5&quot;/&gt;&lt;property id=&quot;20300&quot; value=&quot;Slide 25 - &amp;quot;Prevenção contra microrganismos causadores de toxinfecções&amp;quot;&quot;/&gt;&lt;property id=&quot;20307&quot; value=&quot;297&quot;/&gt;&lt;/object&gt;&lt;object type=&quot;3&quot; unique_id=&quot;10029&quot;&gt;&lt;property id=&quot;20148&quot; value=&quot;5&quot;/&gt;&lt;property id=&quot;20300&quot; value=&quot;Slide 26 - &amp;quot;Prevenção contra microrganismos causadores de toxinfecções&amp;quot;&quot;/&gt;&lt;property id=&quot;20307&quot; value=&quot;274&quot;/&gt;&lt;/object&gt;&lt;object type=&quot;3&quot; unique_id=&quot;10030&quot;&gt;&lt;property id=&quot;20148&quot; value=&quot;5&quot;/&gt;&lt;property id=&quot;20300&quot; value=&quot;Slide 27 - &amp;quot;Diferentes tipos de contaminação&amp;quot;&quot;/&gt;&lt;property id=&quot;20307&quot; value=&quot;307&quot;/&gt;&lt;/object&gt;&lt;object type=&quot;3&quot; unique_id=&quot;10031&quot;&gt;&lt;property id=&quot;20148&quot; value=&quot;5&quot;/&gt;&lt;property id=&quot;20300&quot; value=&quot;Slide 28 - &amp;quot;Contaminação Biológica&amp;quot;&quot;/&gt;&lt;property id=&quot;20307&quot; value=&quot;273&quot;/&gt;&lt;/object&gt;&lt;object type=&quot;3&quot; unique_id=&quot;10032&quot;&gt;&lt;property id=&quot;20148&quot; value=&quot;5&quot;/&gt;&lt;property id=&quot;20300&quot; value=&quot;Slide 29 - &amp;quot;Contaminação Química&amp;quot;&quot;/&gt;&lt;property id=&quot;20307&quot; value=&quot;279&quot;/&gt;&lt;/object&gt;&lt;object type=&quot;3&quot; unique_id=&quot;10033&quot;&gt;&lt;property id=&quot;20148&quot; value=&quot;5&quot;/&gt;&lt;property id=&quot;20300&quot; value=&quot;Slide 30 - &amp;quot;Produtos de limpeza&amp;quot;&quot;/&gt;&lt;property id=&quot;20307&quot; value=&quot;284&quot;/&gt;&lt;/object&gt;&lt;object type=&quot;3&quot; unique_id=&quot;10034&quot;&gt;&lt;property id=&quot;20148&quot; value=&quot;5&quot;/&gt;&lt;property id=&quot;20300&quot; value=&quot;Slide 31 - &amp;quot;Produtos de Limpeza&amp;quot;&quot;/&gt;&lt;property id=&quot;20307&quot; value=&quot;309&quot;/&gt;&lt;/object&gt;&lt;object type=&quot;3&quot; unique_id=&quot;10035&quot;&gt;&lt;property id=&quot;20148&quot; value=&quot;5&quot;/&gt;&lt;property id=&quot;20300&quot; value=&quot;Slide 32 - &amp;quot;Aditivos&amp;quot;&quot;/&gt;&lt;property id=&quot;20307&quot; value=&quot;286&quot;/&gt;&lt;/object&gt;&lt;object type=&quot;3&quot; unique_id=&quot;10036&quot;&gt;&lt;property id=&quot;20148&quot; value=&quot;5&quot;/&gt;&lt;property id=&quot;20300&quot; value=&quot;Slide 33 - &amp;quot;Contaminação Física&amp;quot;&quot;/&gt;&lt;property id=&quot;20307&quot; value=&quot;289&quot;/&gt;&lt;/object&gt;&lt;object type=&quot;3&quot; unique_id=&quot;10037&quot;&gt;&lt;property id=&quot;20148&quot; value=&quot;5&quot;/&gt;&lt;property id=&quot;20300&quot; value=&quot;Slide 34 - &amp;quot;Contaminação Física&amp;quot;&quot;/&gt;&lt;property id=&quot;20307&quot; value=&quot;311&quot;/&gt;&lt;/object&gt;&lt;object type=&quot;3&quot; unique_id=&quot;10038&quot;&gt;&lt;property id=&quot;20148&quot; value=&quot;5&quot;/&gt;&lt;property id=&quot;20300&quot; value=&quot;Slide 35 - &amp;quot;Alimentos de alto risco&amp;quot;&quot;/&gt;&lt;property id=&quot;20307&quot; value=&quot;287&quot;/&gt;&lt;/object&gt;&lt;object type=&quot;3&quot; unique_id=&quot;10039&quot;&gt;&lt;property id=&quot;20148&quot; value=&quot;5&quot;/&gt;&lt;property id=&quot;20300&quot; value=&quot;Slide 36 - &amp;quot;Alimentos de alto risco&amp;quot;&quot;/&gt;&lt;property id=&quot;20307&quot; value=&quot;312&quot;/&gt;&lt;/object&gt;&lt;object type=&quot;3&quot; unique_id=&quot;10040&quot;&gt;&lt;property id=&quot;20148&quot; value=&quot;5&quot;/&gt;&lt;property id=&quot;20300&quot; value=&quot;Slide 37 - &amp;quot;Alimentos de Alto-risco&amp;quot;&quot;/&gt;&lt;property id=&quot;20307&quot; value=&quot;290&quot;/&gt;&lt;/object&gt;&lt;object type=&quot;3&quot; unique_id=&quot;10041&quot;&gt;&lt;property id=&quot;20148&quot; value=&quot;5&quot;/&gt;&lt;property id=&quot;20300&quot; value=&quot;Slide 38 - &amp;quot;Módulo III&amp;quot;&quot;/&gt;&lt;property id=&quot;20307&quot; value=&quot;314&quot;/&gt;&lt;/object&gt;&lt;object type=&quot;3&quot; unique_id=&quot;10042&quot;&gt;&lt;property id=&quot;20148&quot; value=&quot;5&quot;/&gt;&lt;property id=&quot;20300&quot; value=&quot;Slide 39 - &amp;quot;Saúde e Higiene Individual&amp;quot;&quot;/&gt;&lt;property id=&quot;20307&quot; value=&quot;315&quot;/&gt;&lt;/object&gt;&lt;object type=&quot;3&quot; unique_id=&quot;10043&quot;&gt;&lt;property id=&quot;20148&quot; value=&quot;5&quot;/&gt;&lt;property id=&quot;20300&quot; value=&quot;Slide 40 - &amp;quot;Saúde e Higiene Individual&amp;quot;&quot;/&gt;&lt;property id=&quot;20307&quot; value=&quot;316&quot;/&gt;&lt;/object&gt;&lt;object type=&quot;3&quot; unique_id=&quot;10044&quot;&gt;&lt;property id=&quot;20148&quot; value=&quot;5&quot;/&gt;&lt;property id=&quot;20300&quot; value=&quot;Slide 41 - &amp;quot;Procedimento em caso de doença ou suspeita&amp;quot;&quot;/&gt;&lt;property id=&quot;20307&quot; value=&quot;317&quot;/&gt;&lt;/object&gt;&lt;object type=&quot;3&quot; unique_id=&quot;10045&quot;&gt;&lt;property id=&quot;20148&quot; value=&quot;5&quot;/&gt;&lt;property id=&quot;20300&quot; value=&quot;Slide 42 - &amp;quot;Procedimento em caso de doença ou suspeita&amp;quot;&quot;/&gt;&lt;property id=&quot;20307&quot; value=&quot;318&quot;/&gt;&lt;/object&gt;&lt;object type=&quot;3&quot; unique_id=&quot;10046&quot;&gt;&lt;property id=&quot;20148&quot; value=&quot;5&quot;/&gt;&lt;property id=&quot;20300&quot; value=&quot;Slide 43 - &amp;quot;Resultado de consulta de medicina no trabalho&amp;quot;&quot;/&gt;&lt;property id=&quot;20307&quot; value=&quot;319&quot;/&gt;&lt;/object&gt;&lt;object type=&quot;3&quot; unique_id=&quot;10047&quot;&gt;&lt;property id=&quot;20148&quot; value=&quot;5&quot;/&gt;&lt;property id=&quot;20300&quot; value=&quot;Slide 44 - &amp;quot;Vestuário - Regras gerais&amp;quot;&quot;/&gt;&lt;property id=&quot;20307&quot; value=&quot;324&quot;/&gt;&lt;/object&gt;&lt;object type=&quot;3&quot; unique_id=&quot;10048&quot;&gt;&lt;property id=&quot;20148&quot; value=&quot;5&quot;/&gt;&lt;property id=&quot;20300&quot; value=&quot;Slide 45 - &amp;quot;Vestuário - Regras gerais&amp;quot;&quot;/&gt;&lt;property id=&quot;20307&quot; value=&quot;325&quot;/&gt;&lt;/object&gt;&lt;object type=&quot;3&quot; unique_id=&quot;10049&quot;&gt;&lt;property id=&quot;20148&quot; value=&quot;5&quot;/&gt;&lt;property id=&quot;20300&quot; value=&quot;Slide 46 - &amp;quot;Vestuário - Regras gerais&amp;quot;&quot;/&gt;&lt;property id=&quot;20307&quot; value=&quot;326&quot;/&gt;&lt;/object&gt;&lt;object type=&quot;3&quot; unique_id=&quot;10050&quot;&gt;&lt;property id=&quot;20148&quot; value=&quot;5&quot;/&gt;&lt;property id=&quot;20300&quot; value=&quot;Slide 47 - &amp;quot;Composição do vestuário&amp;quot;&quot;/&gt;&lt;property id=&quot;20307&quot; value=&quot;327&quot;/&gt;&lt;/object&gt;&lt;object type=&quot;3&quot; unique_id=&quot;10051&quot;&gt;&lt;property id=&quot;20148&quot; value=&quot;5&quot;/&gt;&lt;property id=&quot;20300&quot; value=&quot;Slide 48 - &amp;quot;Composição do vestuário&amp;quot;&quot;/&gt;&lt;property id=&quot;20307&quot; value=&quot;330&quot;/&gt;&lt;/object&gt;&lt;object type=&quot;3&quot; unique_id=&quot;10052&quot;&gt;&lt;property id=&quot;20148&quot; value=&quot;5&quot;/&gt;&lt;property id=&quot;20300&quot; value=&quot;Slide 49 - &amp;quot;Composição do vestuário&amp;quot;&quot;/&gt;&lt;property id=&quot;20307&quot; value=&quot;331&quot;/&gt;&lt;/object&gt;&lt;object type=&quot;3&quot; unique_id=&quot;10053&quot;&gt;&lt;property id=&quot;20148&quot; value=&quot;5&quot;/&gt;&lt;property id=&quot;20300&quot; value=&quot;Slide 50 - &amp;quot;Composição do Vestuário&amp;quot;&quot;/&gt;&lt;property id=&quot;20307&quot; value=&quot;332&quot;/&gt;&lt;/object&gt;&lt;object type=&quot;3&quot; unique_id=&quot;10054&quot;&gt;&lt;property id=&quot;20148&quot; value=&quot;5&quot;/&gt;&lt;property id=&quot;20300&quot; value=&quot;Slide 51 - &amp;quot;Cabelo&amp;quot;&quot;/&gt;&lt;property id=&quot;20307&quot; value=&quot;334&quot;/&gt;&lt;/object&gt;&lt;object type=&quot;3&quot; unique_id=&quot;10055&quot;&gt;&lt;property id=&quot;20148&quot; value=&quot;5&quot;/&gt;&lt;property id=&quot;20300&quot; value=&quot;Slide 52 - &amp;quot;Mãos&amp;quot;&quot;/&gt;&lt;property id=&quot;20307&quot; value=&quot;335&quot;/&gt;&lt;/object&gt;&lt;object type=&quot;3&quot; unique_id=&quot;10056&quot;&gt;&lt;property id=&quot;20148&quot; value=&quot;5&quot;/&gt;&lt;property id=&quot;20300&quot; value=&quot;Slide 53 - &amp;quot;Mãos&amp;quot;&quot;/&gt;&lt;property id=&quot;20307&quot; value=&quot;336&quot;/&gt;&lt;/object&gt;&lt;object type=&quot;3&quot; unique_id=&quot;10057&quot;&gt;&lt;property id=&quot;20148&quot; value=&quot;5&quot;/&gt;&lt;property id=&quot;20300&quot; value=&quot;Slide 54 - &amp;quot;Lavagem das mãos – Quando?&amp;quot;&quot;/&gt;&lt;property id=&quot;20307&quot; value=&quot;341&quot;/&gt;&lt;/object&gt;&lt;object type=&quot;3&quot; unique_id=&quot;10058&quot;&gt;&lt;property id=&quot;20148&quot; value=&quot;5&quot;/&gt;&lt;property id=&quot;20300&quot; value=&quot;Slide 55 - &amp;quot;Lavagem das mãos – Quando?&amp;quot;&quot;/&gt;&lt;property id=&quot;20307&quot; value=&quot;342&quot;/&gt;&lt;/object&gt;&lt;object type=&quot;3&quot; unique_id=&quot;10059&quot;&gt;&lt;property id=&quot;20148&quot; value=&quot;5&quot;/&gt;&lt;property id=&quot;20300&quot; value=&quot;Slide 56 - &amp;quot;Lavagem das mãos - Procedimento&amp;quot;&quot;/&gt;&lt;property id=&quot;20307&quot; value=&quot;343&quot;/&gt;&lt;/object&gt;&lt;object type=&quot;3&quot; unique_id=&quot;10060&quot;&gt;&lt;property id=&quot;20148&quot; value=&quot;5&quot;/&gt;&lt;property id=&quot;20300&quot; value=&quot;Slide 57 - &amp;quot;Lavagem das mãos - Procedimento&amp;quot;&quot;/&gt;&lt;property id=&quot;20307&quot; value=&quot;344&quot;/&gt;&lt;/object&gt;&lt;object type=&quot;3&quot; unique_id=&quot;10061&quot;&gt;&lt;property id=&quot;20148&quot; value=&quot;5&quot;/&gt;&lt;property id=&quot;20300&quot; value=&quot;Slide 58 - &amp;quot;Lavagem das mãos - Procedimento&amp;quot;&quot;/&gt;&lt;property id=&quot;20307&quot; value=&quot;345&quot;/&gt;&lt;/object&gt;&lt;object type=&quot;3&quot; unique_id=&quot;10062&quot;&gt;&lt;property id=&quot;20148&quot; value=&quot;5&quot;/&gt;&lt;property id=&quot;20300&quot; value=&quot;Slide 59&quot;/&gt;&lt;property id=&quot;20307&quot; value=&quot;346&quot;/&gt;&lt;/object&gt;&lt;object type=&quot;3&quot; unique_id=&quot;10063&quot;&gt;&lt;property id=&quot;20148&quot; value=&quot;5&quot;/&gt;&lt;property id=&quot;20300&quot; value=&quot;Slide 60 - &amp;quot;Lavagem das mãos – Razões habituais para não ser realizada correctamente&amp;quot;&quot;/&gt;&lt;property id=&quot;20307&quot; value=&quot;347&quot;/&gt;&lt;/object&gt;&lt;object type=&quot;3&quot; unique_id=&quot;10064&quot;&gt;&lt;property id=&quot;20148&quot; value=&quot;5&quot;/&gt;&lt;property id=&quot;20300&quot; value=&quot;Slide 61 - &amp;quot;Lavagem das mãos – Razões habituais para não ser realizada correctamente&amp;quot;&quot;/&gt;&lt;property id=&quot;20307&quot; value=&quot;348&quot;/&gt;&lt;/object&gt;&lt;object type=&quot;3&quot; unique_id=&quot;10065&quot;&gt;&lt;property id=&quot;20148&quot; value=&quot;5&quot;/&gt;&lt;property id=&quot;20300&quot; value=&quot;Slide 62 - &amp;quot;Lavagem das mãos – Razões habituais para não ser realizada correctamente&amp;quot;&quot;/&gt;&lt;property id=&quot;20307&quot; value=&quot;350&quot;/&gt;&lt;/object&gt;&lt;object type=&quot;3&quot; unique_id=&quot;10066&quot;&gt;&lt;property id=&quot;20148&quot; value=&quot;5&quot;/&gt;&lt;property id=&quot;20300&quot; value=&quot;Slide 63 - &amp;quot;Lavagem das mãos – Razões habituais para não ser realizada correctamente&amp;quot;&quot;/&gt;&lt;property id=&quot;20307&quot; value=&quot;351&quot;/&gt;&lt;/object&gt;&lt;object type=&quot;3&quot; unique_id=&quot;10067&quot;&gt;&lt;property id=&quot;20148&quot; value=&quot;5&quot;/&gt;&lt;property id=&quot;20300&quot; value=&quot;Slide 64 - &amp;quot;Comportamento Pessoal&amp;quot;&quot;/&gt;&lt;property id=&quot;20307&quot; value=&quot;352&quot;/&gt;&lt;/object&gt;&lt;object type=&quot;3&quot; unique_id=&quot;10068&quot;&gt;&lt;property id=&quot;20148&quot; value=&quot;5&quot;/&gt;&lt;property id=&quot;20300&quot; value=&quot;Slide 65 - &amp;quot;Comportamento Pessoal&amp;quot;&quot;/&gt;&lt;property id=&quot;20307&quot; value=&quot;353&quot;/&gt;&lt;/object&gt;&lt;object type=&quot;3&quot; unique_id=&quot;10069&quot;&gt;&lt;property id=&quot;20148&quot; value=&quot;5&quot;/&gt;&lt;property id=&quot;20300&quot; value=&quot;Slide 66 - &amp;quot;Beber, comer, ou mascar pastilhas elásticas&amp;quot;&quot;/&gt;&lt;property id=&quot;20307&quot; value=&quot;358&quot;/&gt;&lt;/object&gt;&lt;object type=&quot;3&quot; unique_id=&quot;10070&quot;&gt;&lt;property id=&quot;20148&quot; value=&quot;5&quot;/&gt;&lt;property id=&quot;20300&quot; value=&quot;Slide 67 - &amp;quot;Beber, comer, ou mascar pastilhas elásticas&amp;quot;&quot;/&gt;&lt;property id=&quot;20307&quot; value=&quot;359&quot;/&gt;&lt;/object&gt;&lt;object type=&quot;3&quot; unique_id=&quot;10071&quot;&gt;&lt;property id=&quot;20148&quot; value=&quot;5&quot;/&gt;&lt;property id=&quot;20300&quot; value=&quot;Slide 68 - &amp;quot;Legislação relevante&amp;quot;&quot;/&gt;&lt;property id=&quot;20307&quot; value=&quot;361&quot;/&gt;&lt;/object&gt;&lt;object type=&quot;3&quot; unique_id=&quot;10072&quot;&gt;&lt;property id=&quot;20148&quot; value=&quot;5&quot;/&gt;&lt;property id=&quot;20300&quot; value=&quot;Slide 69 - &amp;quot;Legislação relevante&amp;quot;&quot;/&gt;&lt;property id=&quot;20307&quot; value=&quot;362&quot;/&gt;&lt;/object&gt;&lt;object type=&quot;3&quot; unique_id=&quot;10073&quot;&gt;&lt;property id=&quot;20148&quot; value=&quot;5&quot;/&gt;&lt;property id=&quot;20300&quot; value=&quot;Slide 70 - &amp;quot;Auditorias&amp;quot;&quot;/&gt;&lt;property id=&quot;20307&quot; value=&quot;363&quot;/&gt;&lt;/object&gt;&lt;object type=&quot;3&quot; unique_id=&quot;10074&quot;&gt;&lt;property id=&quot;20148&quot; value=&quot;5&quot;/&gt;&lt;property id=&quot;20300&quot; value=&quot;Slide 71 - &amp;quot;Módulo IV&amp;quot;&quot;/&gt;&lt;property id=&quot;20307&quot; value=&quot;364&quot;/&gt;&lt;/object&gt;&lt;object type=&quot;3&quot; unique_id=&quot;10075&quot;&gt;&lt;property id=&quot;20148&quot; value=&quot;5&quot;/&gt;&lt;property id=&quot;20300&quot; value=&quot;Slide 72 - &amp;quot;Abastecimento de água – &amp;#x0D;&amp;#x0A;Pré-requisitos&amp;quot;&quot;/&gt;&lt;property id=&quot;20307&quot; value=&quot;365&quot;/&gt;&lt;/object&gt;&lt;/object&gt;&lt;/object&gt;&lt;/database&gt;"/>
+  <p:tag name="SECTOMILLISECCONVERTED" val="1"/>
+</p:tagLst>
 </file>
 
 <file path=ppt/theme/theme1.xml><?xml version="1.0" encoding="utf-8"?>
